--- a/3_recommender_system/Rec.pptx
+++ b/3_recommender_system/Rec.pptx
@@ -3357,13 +3357,8 @@
           <a:p>
             <a:r>
               <a:rPr lang="en-US" dirty="0"/>
-              <a:t>Recommender System </a:t>
-            </a:r>
-            <a:r>
-              <a:rPr lang="en-US"/>
-              <a:t>with GNN</a:t>
-            </a:r>
-            <a:endParaRPr lang="en-US" dirty="0"/>
+              <a:t>Recommender System with GNN</a:t>
+            </a:r>
           </a:p>
         </p:txBody>
       </p:sp>
@@ -3388,7 +3383,16 @@
           <a:bodyPr/>
           <a:lstStyle/>
           <a:p>
-            <a:endParaRPr lang="en-US"/>
+            <a:r>
+              <a:rPr lang="en-US" dirty="0"/>
+              <a:t>Da Zheng</a:t>
+            </a:r>
+          </a:p>
+          <a:p>
+            <a:r>
+              <a:rPr lang="en-US" dirty="0"/>
+              <a:t>AWS AI</a:t>
+            </a:r>
           </a:p>
         </p:txBody>
       </p:sp>
@@ -5587,16 +5591,25 @@
             </p:nvSpPr>
             <p:spPr>
               <a:xfrm>
-                <a:off x="838200" y="4430486"/>
-                <a:ext cx="10515600" cy="1746476"/>
+                <a:off x="838200" y="4430485"/>
+                <a:ext cx="10515600" cy="2062389"/>
               </a:xfrm>
             </p:spPr>
             <p:txBody>
               <a:bodyPr>
-                <a:normAutofit fontScale="62500" lnSpcReduction="20000"/>
+                <a:normAutofit fontScale="85000" lnSpcReduction="20000"/>
               </a:bodyPr>
               <a:lstStyle/>
               <a:p>
+                <a:r>
+                  <a:rPr lang="en-US" dirty="0">
+                    <a:latin typeface="Cambria Math" panose="02040503050406030204" pitchFamily="18" charset="0"/>
+                  </a:rPr>
+                  <a:t>Graph encoder:</a:t>
+                </a:r>
+              </a:p>
+              <a:p>
+                <a:pPr lvl="1"/>
                 <a:r>
                   <a:rPr lang="en-US" dirty="0">
                     <a:latin typeface="Cambria Math" panose="02040503050406030204" pitchFamily="18" charset="0"/>
@@ -5605,7 +5618,7 @@
                 </a:r>
               </a:p>
               <a:p>
-                <a:pPr lvl="1"/>
+                <a:pPr lvl="2"/>
                 <a14:m>
                   <m:oMath xmlns:m="http://schemas.openxmlformats.org/officeDocument/2006/math">
                     <m:sSub>
@@ -5815,7 +5828,7 @@
                 </a:r>
               </a:p>
               <a:p>
-                <a:pPr lvl="1"/>
+                <a:pPr lvl="2"/>
                 <a14:m>
                   <m:oMath xmlns:m="http://schemas.openxmlformats.org/officeDocument/2006/math">
                     <m:sSubSup>
@@ -6212,6 +6225,7 @@
                 </a:endParaRPr>
               </a:p>
               <a:p>
+                <a:pPr lvl="1"/>
                 <a:r>
                   <a:rPr lang="en-US" b="0" dirty="0">
                     <a:ea typeface="Cambria Math" panose="02040503050406030204" pitchFamily="18" charset="0"/>
@@ -6220,6 +6234,10 @@
                 </a:r>
               </a:p>
               <a:p>
+                <a:r>
+                  <a:rPr lang="en-US" b="0" dirty="0"/>
+                  <a:t>Decoder: </a:t>
+                </a:r>
                 <a14:m>
                   <m:oMath xmlns:m="http://schemas.openxmlformats.org/officeDocument/2006/math">
                     <m:r>
@@ -6426,13 +6444,13 @@
             </p:nvSpPr>
             <p:spPr>
               <a:xfrm>
-                <a:off x="838200" y="4430486"/>
-                <a:ext cx="10515600" cy="1746476"/>
+                <a:off x="838200" y="4430485"/>
+                <a:ext cx="10515600" cy="2062389"/>
               </a:xfrm>
               <a:blipFill>
                 <a:blip r:embed="rId4"/>
                 <a:stretch>
-                  <a:fillRect l="-362" t="-5797"/>
+                  <a:fillRect l="-724" t="-6748" b="-5521"/>
                 </a:stretch>
               </a:blipFill>
             </p:spPr>
@@ -6451,53 +6469,6 @@
           </p:sp>
         </mc:Fallback>
       </mc:AlternateContent>
-      <p:pic>
-        <p:nvPicPr>
-          <p:cNvPr id="2050" name="Picture 2" descr="page39image1696">
-            <a:extLst>
-              <a:ext uri="{FF2B5EF4-FFF2-40B4-BE49-F238E27FC236}">
-                <a16:creationId xmlns:a16="http://schemas.microsoft.com/office/drawing/2014/main" id="{D3C330B6-FA4B-654C-9077-981F8C353779}"/>
-              </a:ext>
-            </a:extLst>
-          </p:cNvPr>
-          <p:cNvPicPr>
-            <a:picLocks noChangeAspect="1" noChangeArrowheads="1"/>
-          </p:cNvPicPr>
-          <p:nvPr/>
-        </p:nvPicPr>
-        <p:blipFill>
-          <a:blip r:embed="rId5">
-            <a:extLst>
-              <a:ext uri="{28A0092B-C50C-407E-A947-70E740481C1C}">
-                <a14:useLocalDpi xmlns:a14="http://schemas.microsoft.com/office/drawing/2010/main" val="0"/>
-              </a:ext>
-            </a:extLst>
-          </a:blip>
-          <a:srcRect/>
-          <a:stretch>
-            <a:fillRect/>
-          </a:stretch>
-        </p:blipFill>
-        <p:spPr bwMode="auto">
-          <a:xfrm>
-            <a:off x="3156857" y="1544526"/>
-            <a:ext cx="4757058" cy="2114248"/>
-          </a:xfrm>
-          <a:prstGeom prst="rect">
-            <a:avLst/>
-          </a:prstGeom>
-          <a:noFill/>
-          <a:extLst>
-            <a:ext uri="{909E8E84-426E-40DD-AFC4-6F175D3DCCD1}">
-              <a14:hiddenFill xmlns:a14="http://schemas.microsoft.com/office/drawing/2010/main">
-                <a:solidFill>
-                  <a:srgbClr val="FFFFFF"/>
-                </a:solidFill>
-              </a14:hiddenFill>
-            </a:ext>
-          </a:extLst>
-        </p:spPr>
-      </p:pic>
       <p:sp>
         <p:nvSpPr>
           <p:cNvPr id="4" name="TextBox 3">
@@ -6544,6 +6515,36 @@
           </a:p>
         </p:txBody>
       </p:sp>
+      <p:pic>
+        <p:nvPicPr>
+          <p:cNvPr id="9" name="Picture 8">
+            <a:extLst>
+              <a:ext uri="{FF2B5EF4-FFF2-40B4-BE49-F238E27FC236}">
+                <a16:creationId xmlns:a16="http://schemas.microsoft.com/office/drawing/2014/main" id="{5FA0CAE5-B580-8F49-81A1-B74B4A729AF2}"/>
+              </a:ext>
+            </a:extLst>
+          </p:cNvPr>
+          <p:cNvPicPr>
+            <a:picLocks noChangeAspect="1"/>
+          </p:cNvPicPr>
+          <p:nvPr/>
+        </p:nvPicPr>
+        <p:blipFill>
+          <a:blip r:embed="rId5"/>
+          <a:stretch>
+            <a:fillRect/>
+          </a:stretch>
+        </p:blipFill>
+        <p:spPr>
+          <a:xfrm>
+            <a:off x="1849605" y="1690688"/>
+            <a:ext cx="8129541" cy="1959428"/>
+          </a:xfrm>
+          <a:prstGeom prst="rect">
+            <a:avLst/>
+          </a:prstGeom>
+        </p:spPr>
+      </p:pic>
     </p:spTree>
     <p:extLst>
       <p:ext uri="{BB962C8B-B14F-4D97-AF65-F5344CB8AC3E}">
@@ -6612,8 +6613,8 @@
           </a:p>
         </p:txBody>
       </p:sp>
-      <mc:AlternateContent xmlns:mc="http://schemas.openxmlformats.org/markup-compatibility/2006" xmlns:a14="http://schemas.microsoft.com/office/drawing/2010/main">
-        <mc:Choice Requires="a14">
+      <mc:AlternateContent xmlns:mc="http://schemas.openxmlformats.org/markup-compatibility/2006">
+        <mc:Choice xmlns:a14="http://schemas.microsoft.com/office/drawing/2010/main" Requires="a14">
           <p:sp>
             <p:nvSpPr>
               <p:cNvPr id="3" name="Content Placeholder 2">
@@ -6633,7 +6634,7 @@
             <p:spPr>
               <a:xfrm>
                 <a:off x="838200" y="4430486"/>
-                <a:ext cx="10515600" cy="1746476"/>
+                <a:ext cx="10515600" cy="1959428"/>
               </a:xfrm>
             </p:spPr>
             <p:txBody>
@@ -6646,11 +6647,20 @@
                   <a:rPr lang="en-US" dirty="0">
                     <a:latin typeface="Cambria Math" panose="02040503050406030204" pitchFamily="18" charset="0"/>
                   </a:rPr>
+                  <a:t>Graph encoder:</a:t>
+                </a:r>
+              </a:p>
+              <a:p>
+                <a:pPr lvl="1"/>
+                <a:r>
+                  <a:rPr lang="en-US" dirty="0">
+                    <a:latin typeface="Cambria Math" panose="02040503050406030204" pitchFamily="18" charset="0"/>
+                  </a:rPr>
                   <a:t>To compute user embeddings from item embeddings</a:t>
                 </a:r>
               </a:p>
               <a:p>
-                <a:pPr lvl="1"/>
+                <a:pPr lvl="2"/>
                 <a14:m>
                   <m:oMath xmlns:m="http://schemas.openxmlformats.org/officeDocument/2006/math">
                     <m:sSub>
@@ -6788,7 +6798,7 @@
                 <a:endParaRPr lang="en-US" b="0" dirty="0"/>
               </a:p>
               <a:p>
-                <a:pPr lvl="1"/>
+                <a:pPr lvl="2"/>
                 <a14:m>
                   <m:oMath xmlns:m="http://schemas.openxmlformats.org/officeDocument/2006/math">
                     <m:sSubSup>
@@ -7022,6 +7032,10 @@
                 </a:endParaRPr>
               </a:p>
               <a:p>
+                <a:r>
+                  <a:rPr lang="en-US" dirty="0"/>
+                  <a:t>Decoder: </a:t>
+                </a:r>
                 <a14:m>
                   <m:oMath xmlns:m="http://schemas.openxmlformats.org/officeDocument/2006/math">
                     <m:sSub>
@@ -7174,7 +7188,7 @@
             </p:txBody>
           </p:sp>
         </mc:Choice>
-        <mc:Fallback xmlns="">
+        <mc:Fallback>
           <p:sp>
             <p:nvSpPr>
               <p:cNvPr id="3" name="Content Placeholder 2">
@@ -7194,12 +7208,12 @@
             <p:spPr>
               <a:xfrm>
                 <a:off x="838200" y="4430486"/>
-                <a:ext cx="10515600" cy="1746476"/>
+                <a:ext cx="10515600" cy="1959428"/>
               </a:xfrm>
               <a:blipFill>
                 <a:blip r:embed="rId2"/>
                 <a:stretch>
-                  <a:fillRect l="-724" t="-7971" b="-12319"/>
+                  <a:fillRect l="-724" t="-7097" b="-1290"/>
                 </a:stretch>
               </a:blipFill>
             </p:spPr>
@@ -7218,53 +7232,6 @@
           </p:sp>
         </mc:Fallback>
       </mc:AlternateContent>
-      <p:pic>
-        <p:nvPicPr>
-          <p:cNvPr id="2050" name="Picture 2" descr="page39image1696">
-            <a:extLst>
-              <a:ext uri="{FF2B5EF4-FFF2-40B4-BE49-F238E27FC236}">
-                <a16:creationId xmlns:a16="http://schemas.microsoft.com/office/drawing/2014/main" id="{D3C330B6-FA4B-654C-9077-981F8C353779}"/>
-              </a:ext>
-            </a:extLst>
-          </p:cNvPr>
-          <p:cNvPicPr>
-            <a:picLocks noChangeAspect="1" noChangeArrowheads="1"/>
-          </p:cNvPicPr>
-          <p:nvPr/>
-        </p:nvPicPr>
-        <p:blipFill>
-          <a:blip r:embed="rId3">
-            <a:extLst>
-              <a:ext uri="{28A0092B-C50C-407E-A947-70E740481C1C}">
-                <a14:useLocalDpi xmlns:a14="http://schemas.microsoft.com/office/drawing/2010/main" val="0"/>
-              </a:ext>
-            </a:extLst>
-          </a:blip>
-          <a:srcRect/>
-          <a:stretch>
-            <a:fillRect/>
-          </a:stretch>
-        </p:blipFill>
-        <p:spPr bwMode="auto">
-          <a:xfrm>
-            <a:off x="3156857" y="1544526"/>
-            <a:ext cx="4757058" cy="2114248"/>
-          </a:xfrm>
-          <a:prstGeom prst="rect">
-            <a:avLst/>
-          </a:prstGeom>
-          <a:noFill/>
-          <a:extLst>
-            <a:ext uri="{909E8E84-426E-40DD-AFC4-6F175D3DCCD1}">
-              <a14:hiddenFill xmlns:a14="http://schemas.microsoft.com/office/drawing/2010/main">
-                <a:solidFill>
-                  <a:srgbClr val="FFFFFF"/>
-                </a:solidFill>
-              </a14:hiddenFill>
-            </a:ext>
-          </a:extLst>
-        </p:spPr>
-      </p:pic>
       <p:sp>
         <p:nvSpPr>
           <p:cNvPr id="4" name="TextBox 3">
@@ -7311,6 +7278,36 @@
           </a:p>
         </p:txBody>
       </p:sp>
+      <p:pic>
+        <p:nvPicPr>
+          <p:cNvPr id="7" name="Picture 6">
+            <a:extLst>
+              <a:ext uri="{FF2B5EF4-FFF2-40B4-BE49-F238E27FC236}">
+                <a16:creationId xmlns:a16="http://schemas.microsoft.com/office/drawing/2014/main" id="{0A3F2E27-03E1-764E-98F8-7ECC836FF03D}"/>
+              </a:ext>
+            </a:extLst>
+          </p:cNvPr>
+          <p:cNvPicPr>
+            <a:picLocks noChangeAspect="1"/>
+          </p:cNvPicPr>
+          <p:nvPr/>
+        </p:nvPicPr>
+        <p:blipFill>
+          <a:blip r:embed="rId3"/>
+          <a:stretch>
+            <a:fillRect/>
+          </a:stretch>
+        </p:blipFill>
+        <p:spPr>
+          <a:xfrm>
+            <a:off x="1849605" y="1690688"/>
+            <a:ext cx="8129541" cy="1959428"/>
+          </a:xfrm>
+          <a:prstGeom prst="rect">
+            <a:avLst/>
+          </a:prstGeom>
+        </p:spPr>
+      </p:pic>
     </p:spTree>
     <p:extLst>
       <p:ext uri="{BB962C8B-B14F-4D97-AF65-F5344CB8AC3E}">

--- a/3_recommender_system/Rec.pptx
+++ b/3_recommender_system/Rec.pptx
@@ -11,9 +11,10 @@
     <p:sldId id="260" r:id="rId5"/>
     <p:sldId id="261" r:id="rId6"/>
     <p:sldId id="259" r:id="rId7"/>
-    <p:sldId id="264" r:id="rId8"/>
-    <p:sldId id="266" r:id="rId9"/>
-    <p:sldId id="263" r:id="rId10"/>
+    <p:sldId id="267" r:id="rId8"/>
+    <p:sldId id="264" r:id="rId9"/>
+    <p:sldId id="266" r:id="rId10"/>
+    <p:sldId id="263" r:id="rId11"/>
   </p:sldIdLst>
   <p:sldSz cx="12192000" cy="6858000"/>
   <p:notesSz cx="6858000" cy="9144000"/>
@@ -267,7 +268,7 @@
           <a:p>
             <a:fld id="{7F054F72-F3DA-AD47-B204-0A23BE565D0E}" type="datetimeFigureOut">
               <a:rPr lang="en-US" smtClean="0"/>
-              <a:t>8/4/19</a:t>
+              <a:t>8/7/19</a:t>
             </a:fld>
             <a:endParaRPr lang="en-US"/>
           </a:p>
@@ -465,7 +466,7 @@
           <a:p>
             <a:fld id="{7F054F72-F3DA-AD47-B204-0A23BE565D0E}" type="datetimeFigureOut">
               <a:rPr lang="en-US" smtClean="0"/>
-              <a:t>8/4/19</a:t>
+              <a:t>8/7/19</a:t>
             </a:fld>
             <a:endParaRPr lang="en-US"/>
           </a:p>
@@ -673,7 +674,7 @@
           <a:p>
             <a:fld id="{7F054F72-F3DA-AD47-B204-0A23BE565D0E}" type="datetimeFigureOut">
               <a:rPr lang="en-US" smtClean="0"/>
-              <a:t>8/4/19</a:t>
+              <a:t>8/7/19</a:t>
             </a:fld>
             <a:endParaRPr lang="en-US"/>
           </a:p>
@@ -871,7 +872,7 @@
           <a:p>
             <a:fld id="{7F054F72-F3DA-AD47-B204-0A23BE565D0E}" type="datetimeFigureOut">
               <a:rPr lang="en-US" smtClean="0"/>
-              <a:t>8/4/19</a:t>
+              <a:t>8/7/19</a:t>
             </a:fld>
             <a:endParaRPr lang="en-US"/>
           </a:p>
@@ -1146,7 +1147,7 @@
           <a:p>
             <a:fld id="{7F054F72-F3DA-AD47-B204-0A23BE565D0E}" type="datetimeFigureOut">
               <a:rPr lang="en-US" smtClean="0"/>
-              <a:t>8/4/19</a:t>
+              <a:t>8/7/19</a:t>
             </a:fld>
             <a:endParaRPr lang="en-US"/>
           </a:p>
@@ -1411,7 +1412,7 @@
           <a:p>
             <a:fld id="{7F054F72-F3DA-AD47-B204-0A23BE565D0E}" type="datetimeFigureOut">
               <a:rPr lang="en-US" smtClean="0"/>
-              <a:t>8/4/19</a:t>
+              <a:t>8/7/19</a:t>
             </a:fld>
             <a:endParaRPr lang="en-US"/>
           </a:p>
@@ -1823,7 +1824,7 @@
           <a:p>
             <a:fld id="{7F054F72-F3DA-AD47-B204-0A23BE565D0E}" type="datetimeFigureOut">
               <a:rPr lang="en-US" smtClean="0"/>
-              <a:t>8/4/19</a:t>
+              <a:t>8/7/19</a:t>
             </a:fld>
             <a:endParaRPr lang="en-US"/>
           </a:p>
@@ -1964,7 +1965,7 @@
           <a:p>
             <a:fld id="{7F054F72-F3DA-AD47-B204-0A23BE565D0E}" type="datetimeFigureOut">
               <a:rPr lang="en-US" smtClean="0"/>
-              <a:t>8/4/19</a:t>
+              <a:t>8/7/19</a:t>
             </a:fld>
             <a:endParaRPr lang="en-US"/>
           </a:p>
@@ -2077,7 +2078,7 @@
           <a:p>
             <a:fld id="{7F054F72-F3DA-AD47-B204-0A23BE565D0E}" type="datetimeFigureOut">
               <a:rPr lang="en-US" smtClean="0"/>
-              <a:t>8/4/19</a:t>
+              <a:t>8/7/19</a:t>
             </a:fld>
             <a:endParaRPr lang="en-US"/>
           </a:p>
@@ -2388,7 +2389,7 @@
           <a:p>
             <a:fld id="{7F054F72-F3DA-AD47-B204-0A23BE565D0E}" type="datetimeFigureOut">
               <a:rPr lang="en-US" smtClean="0"/>
-              <a:t>8/4/19</a:t>
+              <a:t>8/7/19</a:t>
             </a:fld>
             <a:endParaRPr lang="en-US"/>
           </a:p>
@@ -2676,7 +2677,7 @@
           <a:p>
             <a:fld id="{7F054F72-F3DA-AD47-B204-0A23BE565D0E}" type="datetimeFigureOut">
               <a:rPr lang="en-US" smtClean="0"/>
-              <a:t>8/4/19</a:t>
+              <a:t>8/7/19</a:t>
             </a:fld>
             <a:endParaRPr lang="en-US"/>
           </a:p>
@@ -2917,7 +2918,7 @@
           <a:p>
             <a:fld id="{7F054F72-F3DA-AD47-B204-0A23BE565D0E}" type="datetimeFigureOut">
               <a:rPr lang="en-US" smtClean="0"/>
-              <a:t>8/4/19</a:t>
+              <a:t>8/7/19</a:t>
             </a:fld>
             <a:endParaRPr lang="en-US"/>
           </a:p>
@@ -3409,6 +3410,99 @@
 </p:sld>
 </file>
 
+<file path=ppt/slides/slide10.xml><?xml version="1.0" encoding="utf-8"?>
+<p:sld xmlns:a="http://schemas.openxmlformats.org/drawingml/2006/main" xmlns:r="http://schemas.openxmlformats.org/officeDocument/2006/relationships" xmlns:p="http://schemas.openxmlformats.org/presentationml/2006/main">
+  <p:cSld>
+    <p:spTree>
+      <p:nvGrpSpPr>
+        <p:cNvPr id="1" name=""/>
+        <p:cNvGrpSpPr/>
+        <p:nvPr/>
+      </p:nvGrpSpPr>
+      <p:grpSpPr>
+        <a:xfrm>
+          <a:off x="0" y="0"/>
+          <a:ext cx="0" cy="0"/>
+          <a:chOff x="0" y="0"/>
+          <a:chExt cx="0" cy="0"/>
+        </a:xfrm>
+      </p:grpSpPr>
+      <p:sp>
+        <p:nvSpPr>
+          <p:cNvPr id="2" name="Title 1">
+            <a:extLst>
+              <a:ext uri="{FF2B5EF4-FFF2-40B4-BE49-F238E27FC236}">
+                <a16:creationId xmlns:a16="http://schemas.microsoft.com/office/drawing/2014/main" id="{94FE772A-31AE-8940-B0CA-BA23CC5D4848}"/>
+              </a:ext>
+            </a:extLst>
+          </p:cNvPr>
+          <p:cNvSpPr>
+            <a:spLocks noGrp="1"/>
+          </p:cNvSpPr>
+          <p:nvPr>
+            <p:ph type="ctrTitle"/>
+          </p:nvPr>
+        </p:nvSpPr>
+        <p:spPr/>
+        <p:txBody>
+          <a:bodyPr/>
+          <a:lstStyle/>
+          <a:p>
+            <a:r>
+              <a:rPr lang="en-US" dirty="0"/>
+              <a:t>Code session</a:t>
+            </a:r>
+          </a:p>
+        </p:txBody>
+      </p:sp>
+      <p:sp>
+        <p:nvSpPr>
+          <p:cNvPr id="3" name="Subtitle 2">
+            <a:extLst>
+              <a:ext uri="{FF2B5EF4-FFF2-40B4-BE49-F238E27FC236}">
+                <a16:creationId xmlns:a16="http://schemas.microsoft.com/office/drawing/2014/main" id="{B48A04EF-C066-B44F-92E2-1100296C8E2A}"/>
+              </a:ext>
+            </a:extLst>
+          </p:cNvPr>
+          <p:cNvSpPr>
+            <a:spLocks noGrp="1"/>
+          </p:cNvSpPr>
+          <p:nvPr>
+            <p:ph type="subTitle" idx="1"/>
+          </p:nvPr>
+        </p:nvSpPr>
+        <p:spPr/>
+        <p:txBody>
+          <a:bodyPr/>
+          <a:lstStyle/>
+          <a:p>
+            <a:r>
+              <a:rPr lang="en-US" sz="3200" dirty="0" err="1"/>
+              <a:t>GraphSAGE</a:t>
+            </a:r>
+            <a:r>
+              <a:rPr lang="en-US" sz="3200" dirty="0"/>
+              <a:t> on bipartite user-item graph. </a:t>
+            </a:r>
+          </a:p>
+          <a:p>
+            <a:endParaRPr lang="en-US" dirty="0"/>
+          </a:p>
+        </p:txBody>
+      </p:sp>
+    </p:spTree>
+    <p:extLst>
+      <p:ext uri="{BB962C8B-B14F-4D97-AF65-F5344CB8AC3E}">
+        <p14:creationId xmlns:p14="http://schemas.microsoft.com/office/powerpoint/2010/main" val="2345527763"/>
+      </p:ext>
+    </p:extLst>
+  </p:cSld>
+  <p:clrMapOvr>
+    <a:masterClrMapping/>
+  </p:clrMapOvr>
+</p:sld>
+</file>
+
 <file path=ppt/slides/slide2.xml><?xml version="1.0" encoding="utf-8"?>
 <p:sld xmlns:a="http://schemas.openxmlformats.org/drawingml/2006/main" xmlns:r="http://schemas.openxmlformats.org/officeDocument/2006/relationships" xmlns:p="http://schemas.openxmlformats.org/presentationml/2006/main">
   <p:cSld>
@@ -4180,8 +4274,8 @@
           </a:p>
         </p:txBody>
       </p:sp>
-      <mc:AlternateContent xmlns:mc="http://schemas.openxmlformats.org/markup-compatibility/2006">
-        <mc:Choice xmlns:a14="http://schemas.microsoft.com/office/drawing/2010/main" Requires="a14">
+      <mc:AlternateContent xmlns:mc="http://schemas.openxmlformats.org/markup-compatibility/2006" xmlns:a14="http://schemas.microsoft.com/office/drawing/2010/main">
+        <mc:Choice Requires="a14">
           <p:sp>
             <p:nvSpPr>
               <p:cNvPr id="3" name="Content Placeholder 2">
@@ -4842,7 +4936,7 @@
             </p:txBody>
           </p:sp>
         </mc:Choice>
-        <mc:Fallback>
+        <mc:Fallback xmlns="">
           <p:sp>
             <p:nvSpPr>
               <p:cNvPr id="3" name="Content Placeholder 2">
@@ -5115,8 +5209,8 @@
           </p:sp>
         </mc:Fallback>
       </mc:AlternateContent>
-      <mc:AlternateContent xmlns:mc="http://schemas.openxmlformats.org/markup-compatibility/2006">
-        <mc:Choice xmlns:a14="http://schemas.microsoft.com/office/drawing/2010/main" Requires="a14">
+      <mc:AlternateContent xmlns:mc="http://schemas.openxmlformats.org/markup-compatibility/2006" xmlns:a14="http://schemas.microsoft.com/office/drawing/2010/main">
+        <mc:Choice Requires="a14">
           <p:sp>
             <p:nvSpPr>
               <p:cNvPr id="3" name="Content Placeholder 2">
@@ -5344,7 +5438,7 @@
             </p:txBody>
           </p:sp>
         </mc:Choice>
-        <mc:Fallback>
+        <mc:Fallback xmlns="">
           <p:sp>
             <p:nvSpPr>
               <p:cNvPr id="3" name="Content Placeholder 2">
@@ -5398,6 +5492,139 @@
 </file>
 
 <file path=ppt/slides/slide7.xml><?xml version="1.0" encoding="utf-8"?>
+<p:sld xmlns:a="http://schemas.openxmlformats.org/drawingml/2006/main" xmlns:r="http://schemas.openxmlformats.org/officeDocument/2006/relationships" xmlns:p="http://schemas.openxmlformats.org/presentationml/2006/main">
+  <p:cSld>
+    <p:spTree>
+      <p:nvGrpSpPr>
+        <p:cNvPr id="1" name=""/>
+        <p:cNvGrpSpPr/>
+        <p:nvPr/>
+      </p:nvGrpSpPr>
+      <p:grpSpPr>
+        <a:xfrm>
+          <a:off x="0" y="0"/>
+          <a:ext cx="0" cy="0"/>
+          <a:chOff x="0" y="0"/>
+          <a:chExt cx="0" cy="0"/>
+        </a:xfrm>
+      </p:grpSpPr>
+      <p:sp>
+        <p:nvSpPr>
+          <p:cNvPr id="2" name="Title 1">
+            <a:extLst>
+              <a:ext uri="{FF2B5EF4-FFF2-40B4-BE49-F238E27FC236}">
+                <a16:creationId xmlns:a16="http://schemas.microsoft.com/office/drawing/2014/main" id="{62669315-52D5-2342-BCDB-814E3B7C40BB}"/>
+              </a:ext>
+            </a:extLst>
+          </p:cNvPr>
+          <p:cNvSpPr>
+            <a:spLocks noGrp="1"/>
+          </p:cNvSpPr>
+          <p:nvPr>
+            <p:ph type="title"/>
+          </p:nvPr>
+        </p:nvSpPr>
+        <p:spPr/>
+        <p:txBody>
+          <a:bodyPr/>
+          <a:lstStyle/>
+          <a:p>
+            <a:r>
+              <a:rPr lang="en-US" dirty="0"/>
+              <a:t>A graph view for recommendation</a:t>
+            </a:r>
+          </a:p>
+        </p:txBody>
+      </p:sp>
+      <p:pic>
+        <p:nvPicPr>
+          <p:cNvPr id="5" name="Content Placeholder 4">
+            <a:extLst>
+              <a:ext uri="{FF2B5EF4-FFF2-40B4-BE49-F238E27FC236}">
+                <a16:creationId xmlns:a16="http://schemas.microsoft.com/office/drawing/2014/main" id="{949D2B39-EAB5-A24E-B9A5-BA78C00B2DB3}"/>
+              </a:ext>
+            </a:extLst>
+          </p:cNvPr>
+          <p:cNvPicPr>
+            <a:picLocks noGrp="1" noChangeAspect="1"/>
+          </p:cNvPicPr>
+          <p:nvPr>
+            <p:ph idx="1"/>
+          </p:nvPr>
+        </p:nvPicPr>
+        <p:blipFill>
+          <a:blip r:embed="rId2"/>
+          <a:stretch>
+            <a:fillRect/>
+          </a:stretch>
+        </p:blipFill>
+        <p:spPr>
+          <a:xfrm>
+            <a:off x="1409121" y="1690688"/>
+            <a:ext cx="9373757" cy="3142569"/>
+          </a:xfrm>
+        </p:spPr>
+      </p:pic>
+      <p:sp>
+        <p:nvSpPr>
+          <p:cNvPr id="6" name="TextBox 5">
+            <a:extLst>
+              <a:ext uri="{FF2B5EF4-FFF2-40B4-BE49-F238E27FC236}">
+                <a16:creationId xmlns:a16="http://schemas.microsoft.com/office/drawing/2014/main" id="{49CDA73D-F3C3-9A46-8CE1-76478E708F25}"/>
+              </a:ext>
+            </a:extLst>
+          </p:cNvPr>
+          <p:cNvSpPr txBox="1"/>
+          <p:nvPr/>
+        </p:nvSpPr>
+        <p:spPr>
+          <a:xfrm>
+            <a:off x="2318657" y="5335589"/>
+            <a:ext cx="7082580" cy="369332"/>
+          </a:xfrm>
+          <a:prstGeom prst="rect">
+            <a:avLst/>
+          </a:prstGeom>
+          <a:noFill/>
+        </p:spPr>
+        <p:txBody>
+          <a:bodyPr wrap="none" rtlCol="0">
+            <a:spAutoFit/>
+          </a:bodyPr>
+          <a:lstStyle/>
+          <a:p>
+            <a:r>
+              <a:rPr lang="en-US" dirty="0"/>
+              <a:t>Source: </a:t>
+            </a:r>
+            <a:r>
+              <a:rPr lang="en-US" i="1" dirty="0"/>
+              <a:t>Graph Convolutional Matrix Completion</a:t>
+            </a:r>
+            <a:r>
+              <a:rPr lang="en-US" dirty="0"/>
+              <a:t>, van den Berg et al. 2017 </a:t>
+            </a:r>
+            <a:endParaRPr lang="en-US" dirty="0">
+              <a:effectLst/>
+            </a:endParaRPr>
+          </a:p>
+        </p:txBody>
+      </p:sp>
+    </p:spTree>
+    <p:extLst>
+      <p:ext uri="{BB962C8B-B14F-4D97-AF65-F5344CB8AC3E}">
+        <p14:creationId xmlns:p14="http://schemas.microsoft.com/office/powerpoint/2010/main" val="108298752"/>
+      </p:ext>
+    </p:extLst>
+  </p:cSld>
+  <p:clrMapOvr>
+    <a:masterClrMapping/>
+  </p:clrMapOvr>
+</p:sld>
+</file>
+
+<file path=ppt/slides/slide8.xml><?xml version="1.0" encoding="utf-8"?>
 <p:sld xmlns:a="http://schemas.openxmlformats.org/drawingml/2006/main" xmlns:r="http://schemas.openxmlformats.org/officeDocument/2006/relationships" xmlns:p="http://schemas.openxmlformats.org/presentationml/2006/main">
   <p:cSld>
     <p:spTree>
@@ -5597,7 +5824,7 @@
             </p:spPr>
             <p:txBody>
               <a:bodyPr>
-                <a:normAutofit fontScale="85000" lnSpcReduction="20000"/>
+                <a:normAutofit fontScale="77500" lnSpcReduction="20000"/>
               </a:bodyPr>
               <a:lstStyle/>
               <a:p>
@@ -6419,9 +6646,6 @@
                   <a:ea typeface="Cambria Math" panose="02040503050406030204" pitchFamily="18" charset="0"/>
                 </a:endParaRPr>
               </a:p>
-              <a:p>
-                <a:endParaRPr lang="en-US" dirty="0"/>
-              </a:p>
             </p:txBody>
           </p:sp>
         </mc:Choice>
@@ -6450,7 +6674,7 @@
               <a:blipFill>
                 <a:blip r:embed="rId4"/>
                 <a:stretch>
-                  <a:fillRect l="-724" t="-6748" b="-5521"/>
+                  <a:fillRect l="-603" t="-6135"/>
                 </a:stretch>
               </a:blipFill>
             </p:spPr>
@@ -6558,7 +6782,7 @@
 </p:sld>
 </file>
 
-<file path=ppt/slides/slide8.xml><?xml version="1.0" encoding="utf-8"?>
+<file path=ppt/slides/slide9.xml><?xml version="1.0" encoding="utf-8"?>
 <p:sld xmlns:a="http://schemas.openxmlformats.org/drawingml/2006/main" xmlns:r="http://schemas.openxmlformats.org/officeDocument/2006/relationships" xmlns:p="http://schemas.openxmlformats.org/presentationml/2006/main">
   <p:cSld>
     <p:spTree>
@@ -6613,8 +6837,8 @@
           </a:p>
         </p:txBody>
       </p:sp>
-      <mc:AlternateContent xmlns:mc="http://schemas.openxmlformats.org/markup-compatibility/2006">
-        <mc:Choice xmlns:a14="http://schemas.microsoft.com/office/drawing/2010/main" Requires="a14">
+      <mc:AlternateContent xmlns:mc="http://schemas.openxmlformats.org/markup-compatibility/2006" xmlns:a14="http://schemas.microsoft.com/office/drawing/2010/main">
+        <mc:Choice Requires="a14">
           <p:sp>
             <p:nvSpPr>
               <p:cNvPr id="3" name="Content Placeholder 2">
@@ -7188,7 +7412,7 @@
             </p:txBody>
           </p:sp>
         </mc:Choice>
-        <mc:Fallback>
+        <mc:Fallback xmlns="">
           <p:sp>
             <p:nvSpPr>
               <p:cNvPr id="3" name="Content Placeholder 2">
@@ -7293,7 +7517,7 @@
           <p:nvPr/>
         </p:nvPicPr>
         <p:blipFill>
-          <a:blip r:embed="rId3"/>
+          <a:blip r:embed="rId2"/>
           <a:stretch>
             <a:fillRect/>
           </a:stretch>
@@ -7312,99 +7536,6 @@
     <p:extLst>
       <p:ext uri="{BB962C8B-B14F-4D97-AF65-F5344CB8AC3E}">
         <p14:creationId xmlns:p14="http://schemas.microsoft.com/office/powerpoint/2010/main" val="1769688417"/>
-      </p:ext>
-    </p:extLst>
-  </p:cSld>
-  <p:clrMapOvr>
-    <a:masterClrMapping/>
-  </p:clrMapOvr>
-</p:sld>
-</file>
-
-<file path=ppt/slides/slide9.xml><?xml version="1.0" encoding="utf-8"?>
-<p:sld xmlns:a="http://schemas.openxmlformats.org/drawingml/2006/main" xmlns:r="http://schemas.openxmlformats.org/officeDocument/2006/relationships" xmlns:p="http://schemas.openxmlformats.org/presentationml/2006/main">
-  <p:cSld>
-    <p:spTree>
-      <p:nvGrpSpPr>
-        <p:cNvPr id="1" name=""/>
-        <p:cNvGrpSpPr/>
-        <p:nvPr/>
-      </p:nvGrpSpPr>
-      <p:grpSpPr>
-        <a:xfrm>
-          <a:off x="0" y="0"/>
-          <a:ext cx="0" cy="0"/>
-          <a:chOff x="0" y="0"/>
-          <a:chExt cx="0" cy="0"/>
-        </a:xfrm>
-      </p:grpSpPr>
-      <p:sp>
-        <p:nvSpPr>
-          <p:cNvPr id="2" name="Title 1">
-            <a:extLst>
-              <a:ext uri="{FF2B5EF4-FFF2-40B4-BE49-F238E27FC236}">
-                <a16:creationId xmlns:a16="http://schemas.microsoft.com/office/drawing/2014/main" id="{94FE772A-31AE-8940-B0CA-BA23CC5D4848}"/>
-              </a:ext>
-            </a:extLst>
-          </p:cNvPr>
-          <p:cNvSpPr>
-            <a:spLocks noGrp="1"/>
-          </p:cNvSpPr>
-          <p:nvPr>
-            <p:ph type="ctrTitle"/>
-          </p:nvPr>
-        </p:nvSpPr>
-        <p:spPr/>
-        <p:txBody>
-          <a:bodyPr/>
-          <a:lstStyle/>
-          <a:p>
-            <a:r>
-              <a:rPr lang="en-US" dirty="0"/>
-              <a:t>Code session</a:t>
-            </a:r>
-          </a:p>
-        </p:txBody>
-      </p:sp>
-      <p:sp>
-        <p:nvSpPr>
-          <p:cNvPr id="3" name="Subtitle 2">
-            <a:extLst>
-              <a:ext uri="{FF2B5EF4-FFF2-40B4-BE49-F238E27FC236}">
-                <a16:creationId xmlns:a16="http://schemas.microsoft.com/office/drawing/2014/main" id="{B48A04EF-C066-B44F-92E2-1100296C8E2A}"/>
-              </a:ext>
-            </a:extLst>
-          </p:cNvPr>
-          <p:cNvSpPr>
-            <a:spLocks noGrp="1"/>
-          </p:cNvSpPr>
-          <p:nvPr>
-            <p:ph type="subTitle" idx="1"/>
-          </p:nvPr>
-        </p:nvSpPr>
-        <p:spPr/>
-        <p:txBody>
-          <a:bodyPr/>
-          <a:lstStyle/>
-          <a:p>
-            <a:r>
-              <a:rPr lang="en-US" sz="3200" dirty="0" err="1"/>
-              <a:t>GraphSAGE</a:t>
-            </a:r>
-            <a:r>
-              <a:rPr lang="en-US" sz="3200" dirty="0"/>
-              <a:t> on bipartite user-item graph. </a:t>
-            </a:r>
-          </a:p>
-          <a:p>
-            <a:endParaRPr lang="en-US" dirty="0"/>
-          </a:p>
-        </p:txBody>
-      </p:sp>
-    </p:spTree>
-    <p:extLst>
-      <p:ext uri="{BB962C8B-B14F-4D97-AF65-F5344CB8AC3E}">
-        <p14:creationId xmlns:p14="http://schemas.microsoft.com/office/powerpoint/2010/main" val="2345527763"/>
       </p:ext>
     </p:extLst>
   </p:cSld>
